--- a/proposal/PMC_patterns/buffer.pptx
+++ b/proposal/PMC_patterns/buffer.pptx
@@ -288,7 +288,7 @@
           <a:p>
             <a:fld id="{E47F245A-0B3B-4A77-85E8-234A1AB522DC}" type="datetimeFigureOut">
               <a:rPr lang="en-US" smtClean="0"/>
-              <a:t>7/13/2013</a:t>
+              <a:t>7/14/2013</a:t>
             </a:fld>
             <a:endParaRPr lang="en-US"/>
           </a:p>
@@ -458,7 +458,7 @@
           <a:p>
             <a:fld id="{E47F245A-0B3B-4A77-85E8-234A1AB522DC}" type="datetimeFigureOut">
               <a:rPr lang="en-US" smtClean="0"/>
-              <a:t>7/13/2013</a:t>
+              <a:t>7/14/2013</a:t>
             </a:fld>
             <a:endParaRPr lang="en-US"/>
           </a:p>
@@ -638,7 +638,7 @@
           <a:p>
             <a:fld id="{E47F245A-0B3B-4A77-85E8-234A1AB522DC}" type="datetimeFigureOut">
               <a:rPr lang="en-US" smtClean="0"/>
-              <a:t>7/13/2013</a:t>
+              <a:t>7/14/2013</a:t>
             </a:fld>
             <a:endParaRPr lang="en-US"/>
           </a:p>
@@ -808,7 +808,7 @@
           <a:p>
             <a:fld id="{E47F245A-0B3B-4A77-85E8-234A1AB522DC}" type="datetimeFigureOut">
               <a:rPr lang="en-US" smtClean="0"/>
-              <a:t>7/13/2013</a:t>
+              <a:t>7/14/2013</a:t>
             </a:fld>
             <a:endParaRPr lang="en-US"/>
           </a:p>
@@ -1054,7 +1054,7 @@
           <a:p>
             <a:fld id="{E47F245A-0B3B-4A77-85E8-234A1AB522DC}" type="datetimeFigureOut">
               <a:rPr lang="en-US" smtClean="0"/>
-              <a:t>7/13/2013</a:t>
+              <a:t>7/14/2013</a:t>
             </a:fld>
             <a:endParaRPr lang="en-US"/>
           </a:p>
@@ -1342,7 +1342,7 @@
           <a:p>
             <a:fld id="{E47F245A-0B3B-4A77-85E8-234A1AB522DC}" type="datetimeFigureOut">
               <a:rPr lang="en-US" smtClean="0"/>
-              <a:t>7/13/2013</a:t>
+              <a:t>7/14/2013</a:t>
             </a:fld>
             <a:endParaRPr lang="en-US"/>
           </a:p>
@@ -1764,7 +1764,7 @@
           <a:p>
             <a:fld id="{E47F245A-0B3B-4A77-85E8-234A1AB522DC}" type="datetimeFigureOut">
               <a:rPr lang="en-US" smtClean="0"/>
-              <a:t>7/13/2013</a:t>
+              <a:t>7/14/2013</a:t>
             </a:fld>
             <a:endParaRPr lang="en-US"/>
           </a:p>
@@ -1882,7 +1882,7 @@
           <a:p>
             <a:fld id="{E47F245A-0B3B-4A77-85E8-234A1AB522DC}" type="datetimeFigureOut">
               <a:rPr lang="en-US" smtClean="0"/>
-              <a:t>7/13/2013</a:t>
+              <a:t>7/14/2013</a:t>
             </a:fld>
             <a:endParaRPr lang="en-US"/>
           </a:p>
@@ -1977,7 +1977,7 @@
           <a:p>
             <a:fld id="{E47F245A-0B3B-4A77-85E8-234A1AB522DC}" type="datetimeFigureOut">
               <a:rPr lang="en-US" smtClean="0"/>
-              <a:t>7/13/2013</a:t>
+              <a:t>7/14/2013</a:t>
             </a:fld>
             <a:endParaRPr lang="en-US"/>
           </a:p>
@@ -2254,7 +2254,7 @@
           <a:p>
             <a:fld id="{E47F245A-0B3B-4A77-85E8-234A1AB522DC}" type="datetimeFigureOut">
               <a:rPr lang="en-US" smtClean="0"/>
-              <a:t>7/13/2013</a:t>
+              <a:t>7/14/2013</a:t>
             </a:fld>
             <a:endParaRPr lang="en-US"/>
           </a:p>
@@ -2507,7 +2507,7 @@
           <a:p>
             <a:fld id="{E47F245A-0B3B-4A77-85E8-234A1AB522DC}" type="datetimeFigureOut">
               <a:rPr lang="en-US" smtClean="0"/>
-              <a:t>7/13/2013</a:t>
+              <a:t>7/14/2013</a:t>
             </a:fld>
             <a:endParaRPr lang="en-US"/>
           </a:p>
@@ -2720,7 +2720,7 @@
           <a:p>
             <a:fld id="{E47F245A-0B3B-4A77-85E8-234A1AB522DC}" type="datetimeFigureOut">
               <a:rPr lang="en-US" smtClean="0"/>
-              <a:t>7/13/2013</a:t>
+              <a:t>7/14/2013</a:t>
             </a:fld>
             <a:endParaRPr lang="en-US"/>
           </a:p>
@@ -3302,7 +3302,11 @@
             <a:pPr algn="ctr"/>
             <a:r>
               <a:rPr lang="en-US" sz="3600" dirty="0" smtClean="0"/>
-              <a:t>Buffer Array</a:t>
+              <a:t>Buffer </a:t>
+            </a:r>
+            <a:r>
+              <a:rPr lang="en-US" sz="3600" dirty="0" smtClean="0"/>
+              <a:t>array</a:t>
             </a:r>
             <a:endParaRPr lang="en-US" sz="3600" dirty="0"/>
           </a:p>
@@ -3396,7 +3400,6 @@
               <a:rPr lang="en-US" sz="3600" dirty="0"/>
               <a:t>2</a:t>
             </a:r>
-            <a:endParaRPr lang="en-US" sz="3600" dirty="0"/>
           </a:p>
         </p:txBody>
       </p:sp>
@@ -3427,7 +3430,6 @@
               <a:rPr lang="en-US" sz="3600" dirty="0"/>
               <a:t>3</a:t>
             </a:r>
-            <a:endParaRPr lang="en-US" sz="3600" dirty="0"/>
           </a:p>
         </p:txBody>
       </p:sp>
@@ -3576,7 +3578,19 @@
             <a:pPr algn="ctr"/>
             <a:r>
               <a:rPr lang="en-US" sz="3600" dirty="0" smtClean="0"/>
-              <a:t>Buffer Atomic Segment</a:t>
+              <a:t>Buffer </a:t>
+            </a:r>
+            <a:r>
+              <a:rPr lang="en-US" sz="3600" dirty="0" smtClean="0"/>
+              <a:t>atomic </a:t>
+            </a:r>
+            <a:r>
+              <a:rPr lang="en-US" sz="3600" dirty="0"/>
+              <a:t>s</a:t>
+            </a:r>
+            <a:r>
+              <a:rPr lang="en-US" sz="3600" dirty="0" smtClean="0"/>
+              <a:t>egment</a:t>
             </a:r>
             <a:endParaRPr lang="en-US" sz="3600" dirty="0"/>
           </a:p>
@@ -3673,8 +3687,12 @@
           <a:p>
             <a:pPr algn="ctr"/>
             <a:r>
-              <a:rPr lang="en-US" sz="3600" dirty="0" smtClean="0"/>
-              <a:t>Persist Order</a:t>
+              <a:rPr lang="en-US" sz="3600" smtClean="0"/>
+              <a:t>Persist </a:t>
+            </a:r>
+            <a:r>
+              <a:rPr lang="en-US" sz="3600" smtClean="0"/>
+              <a:t>order</a:t>
             </a:r>
             <a:endParaRPr lang="en-US" sz="3600" dirty="0"/>
           </a:p>
